--- a/Unit 6/PSW/Problem_Statement_Worksheet[Harsh Chauhan].pptx
+++ b/Unit 6/PSW/Problem_Statement_Worksheet[Harsh Chauhan].pptx
@@ -34,7 +34,7 @@
       </p:grpSpPr>
       <p:sp>
         <p:nvSpPr>
-          <p:cNvPr id="39" name="PlaceHolder 1"/>
+          <p:cNvPr id="37" name="PlaceHolder 1"/>
           <p:cNvSpPr>
             <a:spLocks noGrp="1"/>
           </p:cNvSpPr>
@@ -71,7 +71,7 @@
       </p:sp>
       <p:sp>
         <p:nvSpPr>
-          <p:cNvPr id="40" name="PlaceHolder 2"/>
+          <p:cNvPr id="38" name="PlaceHolder 2"/>
           <p:cNvSpPr>
             <a:spLocks noGrp="1"/>
           </p:cNvSpPr>
@@ -107,7 +107,7 @@
       </p:sp>
       <p:sp>
         <p:nvSpPr>
-          <p:cNvPr id="41" name="PlaceHolder 3"/>
+          <p:cNvPr id="39" name="PlaceHolder 3"/>
           <p:cNvSpPr>
             <a:spLocks noGrp="1"/>
           </p:cNvSpPr>
@@ -143,7 +143,7 @@
       </p:sp>
       <p:sp>
         <p:nvSpPr>
-          <p:cNvPr id="42" name="PlaceHolder 4"/>
+          <p:cNvPr id="40" name="PlaceHolder 4"/>
           <p:cNvSpPr>
             <a:spLocks noGrp="1"/>
           </p:cNvSpPr>
@@ -180,7 +180,7 @@
       </p:sp>
       <p:sp>
         <p:nvSpPr>
-          <p:cNvPr id="43" name="PlaceHolder 5"/>
+          <p:cNvPr id="41" name="PlaceHolder 5"/>
           <p:cNvSpPr>
             <a:spLocks noGrp="1"/>
           </p:cNvSpPr>
@@ -216,7 +216,7 @@
       </p:sp>
       <p:sp>
         <p:nvSpPr>
-          <p:cNvPr id="44" name="PlaceHolder 6"/>
+          <p:cNvPr id="42" name="PlaceHolder 6"/>
           <p:cNvSpPr>
             <a:spLocks noGrp="1"/>
           </p:cNvSpPr>
@@ -239,7 +239,7 @@
           </a:bodyPr>
           <a:p>
             <a:pPr algn="r"/>
-            <a:fld id="{897079F8-662A-4463-B7E9-BB5C0A999691}" type="slidenum">
+            <a:fld id="{93FB02F9-D531-4482-81D0-FBE2DE6455B6}" type="slidenum">
               <a:rPr b="0" lang="en-US" sz="1400" spc="-1" strike="noStrike">
                 <a:latin typeface="Times New Roman"/>
               </a:rPr>
@@ -276,14 +276,14 @@
       </p:grpSpPr>
       <p:sp>
         <p:nvSpPr>
-          <p:cNvPr id="74" name="Google Shape;16;p1:notes"/>
+          <p:cNvPr id="72" name="Google Shape;16;p1:notes"/>
           <p:cNvSpPr/>
           <p:nvPr/>
         </p:nvSpPr>
         <p:spPr>
           <a:xfrm>
             <a:off x="6042240" y="9493560"/>
-            <a:ext cx="169200" cy="183960"/>
+            <a:ext cx="168840" cy="183600"/>
           </a:xfrm>
           <a:prstGeom prst="rect">
             <a:avLst/>
@@ -312,7 +312,7 @@
                 <a:tab algn="l" pos="0"/>
               </a:tabLst>
             </a:pPr>
-            <a:fld id="{83FD9B05-C71A-4545-ACD3-457B8614DEE3}" type="slidenum">
+            <a:fld id="{92020C81-A09E-409F-ACF2-1C6399EDDF7E}" type="slidenum">
               <a:rPr b="0" lang="en-AU" sz="1800" spc="-1" strike="noStrike">
                 <a:solidFill>
                   <a:srgbClr val="000000"/>
@@ -329,7 +329,7 @@
       </p:sp>
       <p:sp>
         <p:nvSpPr>
-          <p:cNvPr id="75" name="PlaceHolder 1"/>
+          <p:cNvPr id="73" name="PlaceHolder 1"/>
           <p:cNvSpPr>
             <a:spLocks noGrp="1"/>
           </p:cNvSpPr>
@@ -340,16 +340,16 @@
         <p:spPr>
           <a:xfrm>
             <a:off x="-2319480" y="1265400"/>
-            <a:ext cx="11200680" cy="8400240"/>
-          </a:xfrm>
-          <a:prstGeom prst="rect">
-            <a:avLst/>
-          </a:prstGeom>
-        </p:spPr>
-      </p:sp>
-      <p:sp>
-        <p:nvSpPr>
-          <p:cNvPr id="76" name="PlaceHolder 2"/>
+            <a:ext cx="11200320" cy="8399880"/>
+          </a:xfrm>
+          <a:prstGeom prst="rect">
+            <a:avLst/>
+          </a:prstGeom>
+        </p:spPr>
+      </p:sp>
+      <p:sp>
+        <p:nvSpPr>
+          <p:cNvPr id="74" name="PlaceHolder 2"/>
           <p:cNvSpPr>
             <a:spLocks noGrp="1"/>
           </p:cNvSpPr>
@@ -360,7 +360,7 @@
         <p:spPr>
           <a:xfrm>
             <a:off x="789480" y="605160"/>
-            <a:ext cx="5470200" cy="245520"/>
+            <a:ext cx="5469840" cy="245160"/>
           </a:xfrm>
           <a:prstGeom prst="rect">
             <a:avLst/>
@@ -371,7 +371,7 @@
             <a:noAutofit/>
           </a:bodyPr>
           <a:p>
-            <a:pPr marL="216000" indent="-216000">
+            <a:pPr marL="216000" indent="-215640">
               <a:lnSpc>
                 <a:spcPct val="100000"/>
               </a:lnSpc>
@@ -454,7 +454,7 @@
             </a:endParaRPr>
           </a:p>
           <a:p>
-            <a:pPr marL="216000" indent="-216000">
+            <a:pPr marL="216000" indent="-215640">
               <a:lnSpc>
                 <a:spcPct val="100000"/>
               </a:lnSpc>
@@ -467,7 +467,7 @@
             </a:endParaRPr>
           </a:p>
           <a:p>
-            <a:pPr marL="216000" indent="-216000">
+            <a:pPr marL="216000" indent="-215640">
               <a:lnSpc>
                 <a:spcPct val="100000"/>
               </a:lnSpc>
@@ -521,7 +521,7 @@
             </a:endParaRPr>
           </a:p>
           <a:p>
-            <a:pPr marL="216000" indent="-216000">
+            <a:pPr marL="216000" indent="-215640">
               <a:lnSpc>
                 <a:spcPct val="100000"/>
               </a:lnSpc>
@@ -534,7 +534,7 @@
             </a:endParaRPr>
           </a:p>
           <a:p>
-            <a:pPr marL="216000" indent="-216000">
+            <a:pPr marL="216000" indent="-215640">
               <a:lnSpc>
                 <a:spcPct val="100000"/>
               </a:lnSpc>
@@ -567,7 +567,7 @@
             </a:endParaRPr>
           </a:p>
           <a:p>
-            <a:pPr marL="216000" indent="-216000">
+            <a:pPr marL="216000" indent="-215640">
               <a:lnSpc>
                 <a:spcPct val="100000"/>
               </a:lnSpc>
@@ -580,7 +580,7 @@
             </a:endParaRPr>
           </a:p>
           <a:p>
-            <a:pPr marL="216000" indent="-216000">
+            <a:pPr marL="216000" indent="-215640">
               <a:lnSpc>
                 <a:spcPct val="100000"/>
               </a:lnSpc>
@@ -613,7 +613,7 @@
             </a:endParaRPr>
           </a:p>
           <a:p>
-            <a:pPr marL="216000" indent="-216000">
+            <a:pPr marL="216000" indent="-215640">
               <a:lnSpc>
                 <a:spcPct val="100000"/>
               </a:lnSpc>
@@ -626,7 +626,7 @@
             </a:endParaRPr>
           </a:p>
           <a:p>
-            <a:pPr marL="216000" indent="-216000">
+            <a:pPr marL="216000" indent="-215640">
               <a:lnSpc>
                 <a:spcPct val="100000"/>
               </a:lnSpc>
@@ -659,7 +659,7 @@
             </a:endParaRPr>
           </a:p>
           <a:p>
-            <a:pPr marL="216000" indent="-216000">
+            <a:pPr marL="216000" indent="-215640">
               <a:lnSpc>
                 <a:spcPct val="100000"/>
               </a:lnSpc>
@@ -672,7 +672,7 @@
             </a:endParaRPr>
           </a:p>
           <a:p>
-            <a:pPr marL="216000" indent="-216000">
+            <a:pPr marL="216000" indent="-215640">
               <a:lnSpc>
                 <a:spcPct val="100000"/>
               </a:lnSpc>
@@ -705,7 +705,7 @@
             </a:endParaRPr>
           </a:p>
           <a:p>
-            <a:pPr marL="216000" indent="-216000">
+            <a:pPr marL="216000" indent="-215640">
               <a:lnSpc>
                 <a:spcPct val="100000"/>
               </a:lnSpc>
@@ -718,7 +718,7 @@
             </a:endParaRPr>
           </a:p>
           <a:p>
-            <a:pPr marL="216000" indent="-216000">
+            <a:pPr marL="216000" indent="-215640">
               <a:lnSpc>
                 <a:spcPct val="100000"/>
               </a:lnSpc>
@@ -751,7 +751,7 @@
             </a:endParaRPr>
           </a:p>
           <a:p>
-            <a:pPr marL="216000" indent="-216000">
+            <a:pPr marL="216000" indent="-215640">
               <a:lnSpc>
                 <a:spcPct val="100000"/>
               </a:lnSpc>
@@ -774,7 +774,7 @@
             </a:endParaRPr>
           </a:p>
           <a:p>
-            <a:pPr marL="216000" indent="-216000">
+            <a:pPr marL="216000" indent="-215640">
               <a:lnSpc>
                 <a:spcPct val="100000"/>
               </a:lnSpc>
@@ -787,7 +787,7 @@
             </a:endParaRPr>
           </a:p>
           <a:p>
-            <a:pPr marL="216000" indent="-216000">
+            <a:pPr marL="216000" indent="-215640">
               <a:lnSpc>
                 <a:spcPct val="100000"/>
               </a:lnSpc>
@@ -847,7 +847,7 @@
       </p:grpSpPr>
       <p:sp>
         <p:nvSpPr>
-          <p:cNvPr id="24" name="PlaceHolder 1"/>
+          <p:cNvPr id="22" name="PlaceHolder 1"/>
           <p:cNvSpPr>
             <a:spLocks noGrp="1"/>
           </p:cNvSpPr>
@@ -878,7 +878,7 @@
       </p:sp>
       <p:sp>
         <p:nvSpPr>
-          <p:cNvPr id="25" name="PlaceHolder 2"/>
+          <p:cNvPr id="23" name="PlaceHolder 2"/>
           <p:cNvSpPr>
             <a:spLocks noGrp="1"/>
           </p:cNvSpPr>
@@ -908,7 +908,7 @@
       </p:sp>
       <p:sp>
         <p:nvSpPr>
-          <p:cNvPr id="26" name="PlaceHolder 3"/>
+          <p:cNvPr id="24" name="PlaceHolder 3"/>
           <p:cNvSpPr>
             <a:spLocks noGrp="1"/>
           </p:cNvSpPr>
@@ -960,7 +960,7 @@
       </p:grpSpPr>
       <p:sp>
         <p:nvSpPr>
-          <p:cNvPr id="27" name="PlaceHolder 1"/>
+          <p:cNvPr id="25" name="PlaceHolder 1"/>
           <p:cNvSpPr>
             <a:spLocks noGrp="1"/>
           </p:cNvSpPr>
@@ -991,7 +991,7 @@
       </p:sp>
       <p:sp>
         <p:nvSpPr>
-          <p:cNvPr id="28" name="PlaceHolder 2"/>
+          <p:cNvPr id="26" name="PlaceHolder 2"/>
           <p:cNvSpPr>
             <a:spLocks noGrp="1"/>
           </p:cNvSpPr>
@@ -1021,7 +1021,7 @@
       </p:sp>
       <p:sp>
         <p:nvSpPr>
-          <p:cNvPr id="29" name="PlaceHolder 3"/>
+          <p:cNvPr id="27" name="PlaceHolder 3"/>
           <p:cNvSpPr>
             <a:spLocks noGrp="1"/>
           </p:cNvSpPr>
@@ -1051,7 +1051,7 @@
       </p:sp>
       <p:sp>
         <p:nvSpPr>
-          <p:cNvPr id="30" name="PlaceHolder 4"/>
+          <p:cNvPr id="28" name="PlaceHolder 4"/>
           <p:cNvSpPr>
             <a:spLocks noGrp="1"/>
           </p:cNvSpPr>
@@ -1081,7 +1081,7 @@
       </p:sp>
       <p:sp>
         <p:nvSpPr>
-          <p:cNvPr id="31" name="PlaceHolder 5"/>
+          <p:cNvPr id="29" name="PlaceHolder 5"/>
           <p:cNvSpPr>
             <a:spLocks noGrp="1"/>
           </p:cNvSpPr>
@@ -1133,7 +1133,7 @@
       </p:grpSpPr>
       <p:sp>
         <p:nvSpPr>
-          <p:cNvPr id="32" name="PlaceHolder 1"/>
+          <p:cNvPr id="30" name="PlaceHolder 1"/>
           <p:cNvSpPr>
             <a:spLocks noGrp="1"/>
           </p:cNvSpPr>
@@ -1164,7 +1164,7 @@
       </p:sp>
       <p:sp>
         <p:nvSpPr>
-          <p:cNvPr id="33" name="PlaceHolder 2"/>
+          <p:cNvPr id="31" name="PlaceHolder 2"/>
           <p:cNvSpPr>
             <a:spLocks noGrp="1"/>
           </p:cNvSpPr>
@@ -1194,7 +1194,7 @@
       </p:sp>
       <p:sp>
         <p:nvSpPr>
-          <p:cNvPr id="34" name="PlaceHolder 3"/>
+          <p:cNvPr id="32" name="PlaceHolder 3"/>
           <p:cNvSpPr>
             <a:spLocks noGrp="1"/>
           </p:cNvSpPr>
@@ -1224,7 +1224,7 @@
       </p:sp>
       <p:sp>
         <p:nvSpPr>
-          <p:cNvPr id="35" name="PlaceHolder 4"/>
+          <p:cNvPr id="33" name="PlaceHolder 4"/>
           <p:cNvSpPr>
             <a:spLocks noGrp="1"/>
           </p:cNvSpPr>
@@ -1254,7 +1254,7 @@
       </p:sp>
       <p:sp>
         <p:nvSpPr>
-          <p:cNvPr id="36" name="PlaceHolder 5"/>
+          <p:cNvPr id="34" name="PlaceHolder 5"/>
           <p:cNvSpPr>
             <a:spLocks noGrp="1"/>
           </p:cNvSpPr>
@@ -1284,7 +1284,7 @@
       </p:sp>
       <p:sp>
         <p:nvSpPr>
-          <p:cNvPr id="37" name="PlaceHolder 6"/>
+          <p:cNvPr id="35" name="PlaceHolder 6"/>
           <p:cNvSpPr>
             <a:spLocks noGrp="1"/>
           </p:cNvSpPr>
@@ -1314,7 +1314,7 @@
       </p:sp>
       <p:sp>
         <p:nvSpPr>
-          <p:cNvPr id="38" name="PlaceHolder 7"/>
+          <p:cNvPr id="36" name="PlaceHolder 7"/>
           <p:cNvSpPr>
             <a:spLocks noGrp="1"/>
           </p:cNvSpPr>
@@ -1366,7 +1366,7 @@
       </p:grpSpPr>
       <p:sp>
         <p:nvSpPr>
-          <p:cNvPr id="3" name="PlaceHolder 1"/>
+          <p:cNvPr id="1" name="PlaceHolder 1"/>
           <p:cNvSpPr>
             <a:spLocks noGrp="1"/>
           </p:cNvSpPr>
@@ -1397,7 +1397,7 @@
       </p:sp>
       <p:sp>
         <p:nvSpPr>
-          <p:cNvPr id="4" name="PlaceHolder 2"/>
+          <p:cNvPr id="2" name="PlaceHolder 2"/>
           <p:cNvSpPr>
             <a:spLocks noGrp="1"/>
           </p:cNvSpPr>
@@ -1450,7 +1450,7 @@
       </p:grpSpPr>
       <p:sp>
         <p:nvSpPr>
-          <p:cNvPr id="5" name="PlaceHolder 1"/>
+          <p:cNvPr id="3" name="PlaceHolder 1"/>
           <p:cNvSpPr>
             <a:spLocks noGrp="1"/>
           </p:cNvSpPr>
@@ -1481,7 +1481,7 @@
       </p:sp>
       <p:sp>
         <p:nvSpPr>
-          <p:cNvPr id="6" name="PlaceHolder 2"/>
+          <p:cNvPr id="4" name="PlaceHolder 2"/>
           <p:cNvSpPr>
             <a:spLocks noGrp="1"/>
           </p:cNvSpPr>
@@ -1533,7 +1533,7 @@
       </p:grpSpPr>
       <p:sp>
         <p:nvSpPr>
-          <p:cNvPr id="7" name="PlaceHolder 1"/>
+          <p:cNvPr id="5" name="PlaceHolder 1"/>
           <p:cNvSpPr>
             <a:spLocks noGrp="1"/>
           </p:cNvSpPr>
@@ -1564,7 +1564,7 @@
       </p:sp>
       <p:sp>
         <p:nvSpPr>
-          <p:cNvPr id="8" name="PlaceHolder 2"/>
+          <p:cNvPr id="6" name="PlaceHolder 2"/>
           <p:cNvSpPr>
             <a:spLocks noGrp="1"/>
           </p:cNvSpPr>
@@ -1594,7 +1594,7 @@
       </p:sp>
       <p:sp>
         <p:nvSpPr>
-          <p:cNvPr id="9" name="PlaceHolder 3"/>
+          <p:cNvPr id="7" name="PlaceHolder 3"/>
           <p:cNvSpPr>
             <a:spLocks noGrp="1"/>
           </p:cNvSpPr>
@@ -1646,7 +1646,7 @@
       </p:grpSpPr>
       <p:sp>
         <p:nvSpPr>
-          <p:cNvPr id="10" name="PlaceHolder 1"/>
+          <p:cNvPr id="8" name="PlaceHolder 1"/>
           <p:cNvSpPr>
             <a:spLocks noGrp="1"/>
           </p:cNvSpPr>
@@ -1699,7 +1699,7 @@
       </p:grpSpPr>
       <p:sp>
         <p:nvSpPr>
-          <p:cNvPr id="11" name="PlaceHolder 1"/>
+          <p:cNvPr id="9" name="PlaceHolder 1"/>
           <p:cNvSpPr>
             <a:spLocks noGrp="1"/>
           </p:cNvSpPr>
@@ -1752,7 +1752,7 @@
       </p:grpSpPr>
       <p:sp>
         <p:nvSpPr>
-          <p:cNvPr id="12" name="PlaceHolder 1"/>
+          <p:cNvPr id="10" name="PlaceHolder 1"/>
           <p:cNvSpPr>
             <a:spLocks noGrp="1"/>
           </p:cNvSpPr>
@@ -1783,7 +1783,7 @@
       </p:sp>
       <p:sp>
         <p:nvSpPr>
-          <p:cNvPr id="13" name="PlaceHolder 2"/>
+          <p:cNvPr id="11" name="PlaceHolder 2"/>
           <p:cNvSpPr>
             <a:spLocks noGrp="1"/>
           </p:cNvSpPr>
@@ -1813,7 +1813,7 @@
       </p:sp>
       <p:sp>
         <p:nvSpPr>
-          <p:cNvPr id="14" name="PlaceHolder 3"/>
+          <p:cNvPr id="12" name="PlaceHolder 3"/>
           <p:cNvSpPr>
             <a:spLocks noGrp="1"/>
           </p:cNvSpPr>
@@ -1843,7 +1843,7 @@
       </p:sp>
       <p:sp>
         <p:nvSpPr>
-          <p:cNvPr id="15" name="PlaceHolder 4"/>
+          <p:cNvPr id="13" name="PlaceHolder 4"/>
           <p:cNvSpPr>
             <a:spLocks noGrp="1"/>
           </p:cNvSpPr>
@@ -1895,7 +1895,7 @@
       </p:grpSpPr>
       <p:sp>
         <p:nvSpPr>
-          <p:cNvPr id="16" name="PlaceHolder 1"/>
+          <p:cNvPr id="14" name="PlaceHolder 1"/>
           <p:cNvSpPr>
             <a:spLocks noGrp="1"/>
           </p:cNvSpPr>
@@ -1926,7 +1926,7 @@
       </p:sp>
       <p:sp>
         <p:nvSpPr>
-          <p:cNvPr id="17" name="PlaceHolder 2"/>
+          <p:cNvPr id="15" name="PlaceHolder 2"/>
           <p:cNvSpPr>
             <a:spLocks noGrp="1"/>
           </p:cNvSpPr>
@@ -1956,7 +1956,7 @@
       </p:sp>
       <p:sp>
         <p:nvSpPr>
-          <p:cNvPr id="18" name="PlaceHolder 3"/>
+          <p:cNvPr id="16" name="PlaceHolder 3"/>
           <p:cNvSpPr>
             <a:spLocks noGrp="1"/>
           </p:cNvSpPr>
@@ -1986,7 +1986,7 @@
       </p:sp>
       <p:sp>
         <p:nvSpPr>
-          <p:cNvPr id="19" name="PlaceHolder 4"/>
+          <p:cNvPr id="17" name="PlaceHolder 4"/>
           <p:cNvSpPr>
             <a:spLocks noGrp="1"/>
           </p:cNvSpPr>
@@ -2038,7 +2038,7 @@
       </p:grpSpPr>
       <p:sp>
         <p:nvSpPr>
-          <p:cNvPr id="20" name="PlaceHolder 1"/>
+          <p:cNvPr id="18" name="PlaceHolder 1"/>
           <p:cNvSpPr>
             <a:spLocks noGrp="1"/>
           </p:cNvSpPr>
@@ -2069,7 +2069,7 @@
       </p:sp>
       <p:sp>
         <p:nvSpPr>
-          <p:cNvPr id="21" name="PlaceHolder 2"/>
+          <p:cNvPr id="19" name="PlaceHolder 2"/>
           <p:cNvSpPr>
             <a:spLocks noGrp="1"/>
           </p:cNvSpPr>
@@ -2099,7 +2099,7 @@
       </p:sp>
       <p:sp>
         <p:nvSpPr>
-          <p:cNvPr id="22" name="PlaceHolder 3"/>
+          <p:cNvPr id="20" name="PlaceHolder 3"/>
           <p:cNvSpPr>
             <a:spLocks noGrp="1"/>
           </p:cNvSpPr>
@@ -2129,7 +2129,7 @@
       </p:sp>
       <p:sp>
         <p:nvSpPr>
-          <p:cNvPr id="23" name="PlaceHolder 4"/>
+          <p:cNvPr id="21" name="PlaceHolder 4"/>
           <p:cNvSpPr>
             <a:spLocks noGrp="1"/>
           </p:cNvSpPr>
@@ -2195,7 +2195,7 @@
         <p:spPr>
           <a:xfrm>
             <a:off x="8298360" y="37080"/>
-            <a:ext cx="669960" cy="123840"/>
+            <a:ext cx="669600" cy="123480"/>
           </a:xfrm>
           <a:prstGeom prst="rect">
             <a:avLst/>
@@ -2211,222 +2211,6 @@
           <a:effectRef idx="0"/>
           <a:fontRef idx="minor"/>
         </p:style>
-      </p:sp>
-      <p:sp>
-        <p:nvSpPr>
-          <p:cNvPr id="1" name="PlaceHolder 1"/>
-          <p:cNvSpPr>
-            <a:spLocks noGrp="1"/>
-          </p:cNvSpPr>
-          <p:nvPr>
-            <p:ph type="title"/>
-          </p:nvPr>
-        </p:nvSpPr>
-        <p:spPr>
-          <a:xfrm>
-            <a:off x="457200" y="273600"/>
-            <a:ext cx="8229240" cy="1144800"/>
-          </a:xfrm>
-          <a:prstGeom prst="rect">
-            <a:avLst/>
-          </a:prstGeom>
-        </p:spPr>
-        <p:txBody>
-          <a:bodyPr lIns="0" rIns="0" tIns="0" bIns="0" anchor="ctr">
-            <a:noAutofit/>
-          </a:bodyPr>
-          <a:p>
-            <a:pPr algn="ctr"/>
-            <a:r>
-              <a:rPr b="0" lang="en-US" sz="4400" spc="-1" strike="noStrike">
-                <a:latin typeface="Arial"/>
-              </a:rPr>
-              <a:t>Click to edit the title text format</a:t>
-            </a:r>
-            <a:endParaRPr b="0" lang="en-US" sz="4400" spc="-1" strike="noStrike">
-              <a:latin typeface="Arial"/>
-            </a:endParaRPr>
-          </a:p>
-        </p:txBody>
-      </p:sp>
-      <p:sp>
-        <p:nvSpPr>
-          <p:cNvPr id="2" name="PlaceHolder 2"/>
-          <p:cNvSpPr>
-            <a:spLocks noGrp="1"/>
-          </p:cNvSpPr>
-          <p:nvPr>
-            <p:ph type="body"/>
-          </p:nvPr>
-        </p:nvSpPr>
-        <p:spPr>
-          <a:xfrm>
-            <a:off x="457200" y="1604520"/>
-            <a:ext cx="8229240" cy="3977280"/>
-          </a:xfrm>
-          <a:prstGeom prst="rect">
-            <a:avLst/>
-          </a:prstGeom>
-        </p:spPr>
-        <p:txBody>
-          <a:bodyPr lIns="0" rIns="0" tIns="0" bIns="0">
-            <a:normAutofit/>
-          </a:bodyPr>
-          <a:p>
-            <a:pPr marL="432000" indent="-324000">
-              <a:spcBef>
-                <a:spcPts val="1417"/>
-              </a:spcBef>
-              <a:buClr>
-                <a:srgbClr val="000000"/>
-              </a:buClr>
-              <a:buSzPct val="45000"/>
-              <a:buFont typeface="Wingdings" charset="2"/>
-              <a:buChar char=""/>
-            </a:pPr>
-            <a:r>
-              <a:rPr b="0" lang="en-US" sz="3200" spc="-1" strike="noStrike">
-                <a:latin typeface="Arial"/>
-              </a:rPr>
-              <a:t>Click to edit the outline text format</a:t>
-            </a:r>
-            <a:endParaRPr b="0" lang="en-US" sz="3200" spc="-1" strike="noStrike">
-              <a:latin typeface="Arial"/>
-            </a:endParaRPr>
-          </a:p>
-          <a:p>
-            <a:pPr lvl="1" marL="864000" indent="-324000">
-              <a:spcBef>
-                <a:spcPts val="1134"/>
-              </a:spcBef>
-              <a:buClr>
-                <a:srgbClr val="000000"/>
-              </a:buClr>
-              <a:buSzPct val="75000"/>
-              <a:buFont typeface="Symbol" charset="2"/>
-              <a:buChar char=""/>
-            </a:pPr>
-            <a:r>
-              <a:rPr b="0" lang="en-US" sz="2800" spc="-1" strike="noStrike">
-                <a:latin typeface="Arial"/>
-              </a:rPr>
-              <a:t>Second Outline Level</a:t>
-            </a:r>
-            <a:endParaRPr b="0" lang="en-US" sz="2800" spc="-1" strike="noStrike">
-              <a:latin typeface="Arial"/>
-            </a:endParaRPr>
-          </a:p>
-          <a:p>
-            <a:pPr lvl="2" marL="1296000" indent="-288000">
-              <a:spcBef>
-                <a:spcPts val="850"/>
-              </a:spcBef>
-              <a:buClr>
-                <a:srgbClr val="000000"/>
-              </a:buClr>
-              <a:buSzPct val="45000"/>
-              <a:buFont typeface="Wingdings" charset="2"/>
-              <a:buChar char=""/>
-            </a:pPr>
-            <a:r>
-              <a:rPr b="0" lang="en-US" sz="2400" spc="-1" strike="noStrike">
-                <a:latin typeface="Arial"/>
-              </a:rPr>
-              <a:t>Third Outline Level</a:t>
-            </a:r>
-            <a:endParaRPr b="0" lang="en-US" sz="2400" spc="-1" strike="noStrike">
-              <a:latin typeface="Arial"/>
-            </a:endParaRPr>
-          </a:p>
-          <a:p>
-            <a:pPr lvl="3" marL="1728000" indent="-216000">
-              <a:spcBef>
-                <a:spcPts val="567"/>
-              </a:spcBef>
-              <a:buClr>
-                <a:srgbClr val="000000"/>
-              </a:buClr>
-              <a:buSzPct val="75000"/>
-              <a:buFont typeface="Symbol" charset="2"/>
-              <a:buChar char=""/>
-            </a:pPr>
-            <a:r>
-              <a:rPr b="0" lang="en-US" sz="2000" spc="-1" strike="noStrike">
-                <a:latin typeface="Arial"/>
-              </a:rPr>
-              <a:t>Fourth Outline Level</a:t>
-            </a:r>
-            <a:endParaRPr b="0" lang="en-US" sz="2000" spc="-1" strike="noStrike">
-              <a:latin typeface="Arial"/>
-            </a:endParaRPr>
-          </a:p>
-          <a:p>
-            <a:pPr lvl="4" marL="2160000" indent="-216000">
-              <a:spcBef>
-                <a:spcPts val="283"/>
-              </a:spcBef>
-              <a:buClr>
-                <a:srgbClr val="000000"/>
-              </a:buClr>
-              <a:buSzPct val="45000"/>
-              <a:buFont typeface="Wingdings" charset="2"/>
-              <a:buChar char=""/>
-            </a:pPr>
-            <a:r>
-              <a:rPr b="0" lang="en-US" sz="2000" spc="-1" strike="noStrike">
-                <a:latin typeface="Arial"/>
-              </a:rPr>
-              <a:t>Fifth Outline Level</a:t>
-            </a:r>
-            <a:endParaRPr b="0" lang="en-US" sz="2000" spc="-1" strike="noStrike">
-              <a:latin typeface="Arial"/>
-            </a:endParaRPr>
-          </a:p>
-          <a:p>
-            <a:pPr lvl="5" marL="2592000" indent="-216000">
-              <a:spcBef>
-                <a:spcPts val="283"/>
-              </a:spcBef>
-              <a:buClr>
-                <a:srgbClr val="000000"/>
-              </a:buClr>
-              <a:buSzPct val="45000"/>
-              <a:buFont typeface="Wingdings" charset="2"/>
-              <a:buChar char=""/>
-            </a:pPr>
-            <a:r>
-              <a:rPr b="0" lang="en-US" sz="2000" spc="-1" strike="noStrike">
-                <a:latin typeface="Arial"/>
-              </a:rPr>
-              <a:t>Sixth Outline Level</a:t>
-            </a:r>
-            <a:endParaRPr b="0" lang="en-US" sz="2000" spc="-1" strike="noStrike">
-              <a:latin typeface="Arial"/>
-            </a:endParaRPr>
-          </a:p>
-          <a:p>
-            <a:pPr lvl="6" marL="3024000" indent="-216000">
-              <a:spcBef>
-                <a:spcPts val="283"/>
-              </a:spcBef>
-              <a:buClr>
-                <a:srgbClr val="000000"/>
-              </a:buClr>
-              <a:buSzPct val="45000"/>
-              <a:buFont typeface="Wingdings" charset="2"/>
-              <a:buChar char=""/>
-            </a:pPr>
-            <a:r>
-              <a:rPr b="0" lang="en-US" sz="2000" spc="-1" strike="noStrike">
-                <a:latin typeface="Arial"/>
-              </a:rPr>
-              <a:t>Seventh Outline Level</a:t>
-            </a:r>
-            <a:endParaRPr b="0" lang="en-US" sz="2000" spc="-1" strike="noStrike">
-              <a:latin typeface="Arial"/>
-            </a:endParaRPr>
-          </a:p>
-        </p:txBody>
       </p:sp>
     </p:spTree>
   </p:cSld>
@@ -2467,14 +2251,14 @@
       </p:grpSpPr>
       <p:sp>
         <p:nvSpPr>
-          <p:cNvPr id="45" name="Google Shape;20;p1"/>
+          <p:cNvPr id="43" name="Google Shape;20;p1"/>
           <p:cNvSpPr/>
           <p:nvPr/>
         </p:nvSpPr>
         <p:spPr>
           <a:xfrm>
             <a:off x="137880" y="1576080"/>
-            <a:ext cx="4343400" cy="4680360"/>
+            <a:ext cx="4343040" cy="4680000"/>
           </a:xfrm>
           <a:prstGeom prst="rect">
             <a:avLst/>
@@ -2535,26 +2319,6 @@
                 <a:spcPct val="100000"/>
               </a:lnSpc>
             </a:pPr>
-            <a:endParaRPr b="0" lang="en-US" sz="1800" spc="-1" strike="noStrike">
-              <a:latin typeface="Arial"/>
-            </a:endParaRPr>
-          </a:p>
-          <a:p>
-            <a:pPr>
-              <a:lnSpc>
-                <a:spcPct val="100000"/>
-              </a:lnSpc>
-            </a:pPr>
-            <a:endParaRPr b="0" lang="en-US" sz="1800" spc="-1" strike="noStrike">
-              <a:latin typeface="Arial"/>
-            </a:endParaRPr>
-          </a:p>
-          <a:p>
-            <a:pPr>
-              <a:lnSpc>
-                <a:spcPct val="100000"/>
-              </a:lnSpc>
-            </a:pPr>
             <a:r>
               <a:rPr b="0" lang="en-US" sz="1100" spc="-1" strike="noStrike">
                 <a:solidFill>
@@ -2583,14 +2347,14 @@
       </p:sp>
       <p:sp>
         <p:nvSpPr>
-          <p:cNvPr id="46" name="Google Shape;21;p1"/>
+          <p:cNvPr id="44" name="Google Shape;21;p1"/>
           <p:cNvSpPr/>
           <p:nvPr/>
         </p:nvSpPr>
         <p:spPr>
           <a:xfrm>
             <a:off x="4587480" y="1576080"/>
-            <a:ext cx="4343400" cy="4680360"/>
+            <a:ext cx="4343040" cy="4680000"/>
           </a:xfrm>
           <a:prstGeom prst="rect">
             <a:avLst/>
@@ -2614,14 +2378,14 @@
       </p:sp>
       <p:sp>
         <p:nvSpPr>
-          <p:cNvPr id="47" name="Google Shape;22;p1"/>
+          <p:cNvPr id="45" name="Google Shape;22;p1"/>
           <p:cNvSpPr/>
           <p:nvPr/>
         </p:nvSpPr>
         <p:spPr>
           <a:xfrm>
             <a:off x="218880" y="1618200"/>
-            <a:ext cx="287640" cy="287640"/>
+            <a:ext cx="287280" cy="287280"/>
           </a:xfrm>
           <a:prstGeom prst="rect">
             <a:avLst/>
@@ -2670,14 +2434,14 @@
       </p:sp>
       <p:sp>
         <p:nvSpPr>
-          <p:cNvPr id="48" name="Google Shape;23;p1"/>
+          <p:cNvPr id="46" name="Google Shape;23;p1"/>
           <p:cNvSpPr/>
           <p:nvPr/>
         </p:nvSpPr>
         <p:spPr>
           <a:xfrm>
             <a:off x="4668480" y="1618200"/>
-            <a:ext cx="287640" cy="287640"/>
+            <a:ext cx="287280" cy="287280"/>
           </a:xfrm>
           <a:prstGeom prst="rect">
             <a:avLst/>
@@ -2726,14 +2490,14 @@
       </p:sp>
       <p:sp>
         <p:nvSpPr>
-          <p:cNvPr id="49" name="Google Shape;24;p1"/>
+          <p:cNvPr id="47" name="Google Shape;24;p1"/>
           <p:cNvSpPr/>
           <p:nvPr/>
         </p:nvSpPr>
         <p:spPr>
           <a:xfrm>
             <a:off x="601200" y="1650240"/>
-            <a:ext cx="3596760" cy="223560"/>
+            <a:ext cx="3596400" cy="223200"/>
           </a:xfrm>
           <a:prstGeom prst="rect">
             <a:avLst/>
@@ -2780,14 +2544,14 @@
       </p:sp>
       <p:sp>
         <p:nvSpPr>
-          <p:cNvPr id="50" name="Google Shape;25;p1"/>
+          <p:cNvPr id="48" name="Google Shape;25;p1"/>
           <p:cNvSpPr/>
           <p:nvPr/>
         </p:nvSpPr>
         <p:spPr>
           <a:xfrm>
             <a:off x="5050800" y="1650240"/>
-            <a:ext cx="3596760" cy="223560"/>
+            <a:ext cx="3596400" cy="223200"/>
           </a:xfrm>
           <a:prstGeom prst="rect">
             <a:avLst/>
@@ -2834,14 +2598,14 @@
       </p:sp>
       <p:sp>
         <p:nvSpPr>
-          <p:cNvPr id="51" name="Google Shape;26;p1"/>
+          <p:cNvPr id="49" name="Google Shape;26;p1"/>
           <p:cNvSpPr/>
           <p:nvPr/>
         </p:nvSpPr>
         <p:spPr>
           <a:xfrm>
             <a:off x="4668480" y="3207240"/>
-            <a:ext cx="287640" cy="287640"/>
+            <a:ext cx="287280" cy="287280"/>
           </a:xfrm>
           <a:prstGeom prst="rect">
             <a:avLst/>
@@ -2890,14 +2654,14 @@
       </p:sp>
       <p:sp>
         <p:nvSpPr>
-          <p:cNvPr id="52" name="Google Shape;27;p1"/>
+          <p:cNvPr id="50" name="Google Shape;27;p1"/>
           <p:cNvSpPr/>
           <p:nvPr/>
         </p:nvSpPr>
         <p:spPr>
           <a:xfrm>
             <a:off x="218880" y="3459240"/>
-            <a:ext cx="287640" cy="287640"/>
+            <a:ext cx="287280" cy="287280"/>
           </a:xfrm>
           <a:prstGeom prst="rect">
             <a:avLst/>
@@ -2946,14 +2710,14 @@
       </p:sp>
       <p:sp>
         <p:nvSpPr>
-          <p:cNvPr id="53" name="Google Shape;28;p1"/>
+          <p:cNvPr id="51" name="Google Shape;28;p1"/>
           <p:cNvSpPr/>
           <p:nvPr/>
         </p:nvSpPr>
         <p:spPr>
           <a:xfrm>
             <a:off x="611280" y="3453480"/>
-            <a:ext cx="3596760" cy="223560"/>
+            <a:ext cx="3596400" cy="223200"/>
           </a:xfrm>
           <a:prstGeom prst="rect">
             <a:avLst/>
@@ -3000,14 +2764,14 @@
       </p:sp>
       <p:sp>
         <p:nvSpPr>
-          <p:cNvPr id="54" name="Google Shape;29;p1"/>
+          <p:cNvPr id="52" name="Google Shape;29;p1"/>
           <p:cNvSpPr/>
           <p:nvPr/>
         </p:nvSpPr>
         <p:spPr>
           <a:xfrm>
             <a:off x="5050800" y="3239280"/>
-            <a:ext cx="3596760" cy="223560"/>
+            <a:ext cx="3596400" cy="223200"/>
           </a:xfrm>
           <a:prstGeom prst="rect">
             <a:avLst/>
@@ -3054,14 +2818,14 @@
       </p:sp>
       <p:sp>
         <p:nvSpPr>
-          <p:cNvPr id="55" name="Google Shape;30;p1"/>
+          <p:cNvPr id="53" name="Google Shape;30;p1"/>
           <p:cNvSpPr/>
           <p:nvPr/>
         </p:nvSpPr>
         <p:spPr>
           <a:xfrm>
             <a:off x="218880" y="4797720"/>
-            <a:ext cx="287640" cy="287640"/>
+            <a:ext cx="287280" cy="287280"/>
           </a:xfrm>
           <a:prstGeom prst="rect">
             <a:avLst/>
@@ -3110,14 +2874,14 @@
       </p:sp>
       <p:sp>
         <p:nvSpPr>
-          <p:cNvPr id="56" name="Google Shape;31;p1"/>
+          <p:cNvPr id="54" name="Google Shape;31;p1"/>
           <p:cNvSpPr/>
           <p:nvPr/>
         </p:nvSpPr>
         <p:spPr>
           <a:xfrm>
             <a:off x="4668480" y="4797720"/>
-            <a:ext cx="287640" cy="287640"/>
+            <a:ext cx="287280" cy="287280"/>
           </a:xfrm>
           <a:prstGeom prst="rect">
             <a:avLst/>
@@ -3166,14 +2930,14 @@
       </p:sp>
       <p:sp>
         <p:nvSpPr>
-          <p:cNvPr id="57" name="Google Shape;32;p1"/>
+          <p:cNvPr id="55" name="Google Shape;32;p1"/>
           <p:cNvSpPr/>
           <p:nvPr/>
         </p:nvSpPr>
         <p:spPr>
           <a:xfrm>
             <a:off x="601200" y="4831920"/>
-            <a:ext cx="3596760" cy="218880"/>
+            <a:ext cx="3596400" cy="218520"/>
           </a:xfrm>
           <a:prstGeom prst="rect">
             <a:avLst/>
@@ -3220,14 +2984,14 @@
       </p:sp>
       <p:sp>
         <p:nvSpPr>
-          <p:cNvPr id="58" name="Google Shape;33;p1"/>
+          <p:cNvPr id="56" name="Google Shape;33;p1"/>
           <p:cNvSpPr/>
           <p:nvPr/>
         </p:nvSpPr>
         <p:spPr>
           <a:xfrm>
             <a:off x="5050800" y="4829760"/>
-            <a:ext cx="3596760" cy="223560"/>
+            <a:ext cx="3596400" cy="223200"/>
           </a:xfrm>
           <a:prstGeom prst="rect">
             <a:avLst/>
@@ -3274,14 +3038,14 @@
       </p:sp>
       <p:sp>
         <p:nvSpPr>
-          <p:cNvPr id="59" name="Google Shape;34;p1"/>
+          <p:cNvPr id="57" name="Google Shape;34;p1"/>
           <p:cNvSpPr/>
           <p:nvPr/>
         </p:nvSpPr>
         <p:spPr>
           <a:xfrm>
             <a:off x="143280" y="1964880"/>
-            <a:ext cx="4323600" cy="1245240"/>
+            <a:ext cx="4323240" cy="1244880"/>
           </a:xfrm>
           <a:prstGeom prst="rect">
             <a:avLst/>
@@ -3311,7 +3075,7 @@
               </a:tabLst>
             </a:pPr>
             <a:r>
-              <a:rPr b="1" lang="en-AU" sz="1070" spc="-1" strike="noStrike">
+              <a:rPr b="0" lang="en-AU" sz="1070" spc="-1" strike="noStrike">
                 <a:solidFill>
                   <a:srgbClr val="000000"/>
                 </a:solidFill>
@@ -3334,7 +3098,7 @@
               </a:tabLst>
             </a:pPr>
             <a:r>
-              <a:rPr b="1" lang="en-AU" sz="1070" spc="-1" strike="noStrike">
+              <a:rPr b="0" lang="en-AU" sz="1070" spc="-1" strike="noStrike">
                 <a:solidFill>
                   <a:srgbClr val="000000"/>
                 </a:solidFill>
@@ -3403,14 +3167,14 @@
       </p:sp>
       <p:sp>
         <p:nvSpPr>
-          <p:cNvPr id="60" name="Google Shape;35;p1"/>
+          <p:cNvPr id="58" name="Google Shape;35;p1"/>
           <p:cNvSpPr/>
           <p:nvPr/>
         </p:nvSpPr>
         <p:spPr>
           <a:xfrm>
             <a:off x="143280" y="3538800"/>
-            <a:ext cx="4323600" cy="1409760"/>
+            <a:ext cx="4323240" cy="1409400"/>
           </a:xfrm>
           <a:prstGeom prst="rect">
             <a:avLst/>
@@ -3457,14 +3221,14 @@
       </p:sp>
       <p:sp>
         <p:nvSpPr>
-          <p:cNvPr id="61" name="Google Shape;36;p1"/>
+          <p:cNvPr id="59" name="Google Shape;36;p1"/>
           <p:cNvSpPr/>
           <p:nvPr/>
         </p:nvSpPr>
         <p:spPr>
           <a:xfrm>
             <a:off x="186840" y="5184720"/>
-            <a:ext cx="4323600" cy="750600"/>
+            <a:ext cx="4323240" cy="750240"/>
           </a:xfrm>
           <a:prstGeom prst="rect">
             <a:avLst/>
@@ -3511,14 +3275,14 @@
       </p:sp>
       <p:sp>
         <p:nvSpPr>
-          <p:cNvPr id="62" name="Google Shape;37;p1"/>
+          <p:cNvPr id="60" name="Google Shape;37;p1"/>
           <p:cNvSpPr/>
           <p:nvPr/>
         </p:nvSpPr>
         <p:spPr>
           <a:xfrm>
             <a:off x="4558320" y="1963800"/>
-            <a:ext cx="4323600" cy="1080360"/>
+            <a:ext cx="4323240" cy="1080000"/>
           </a:xfrm>
           <a:prstGeom prst="rect">
             <a:avLst/>
@@ -3565,14 +3329,14 @@
       </p:sp>
       <p:sp>
         <p:nvSpPr>
-          <p:cNvPr id="63" name="Google Shape;38;p1"/>
+          <p:cNvPr id="61" name="Google Shape;38;p1"/>
           <p:cNvSpPr/>
           <p:nvPr/>
         </p:nvSpPr>
         <p:spPr>
           <a:xfrm>
             <a:off x="4591080" y="5085000"/>
-            <a:ext cx="4323600" cy="1080360"/>
+            <a:ext cx="4323240" cy="1080000"/>
           </a:xfrm>
           <a:prstGeom prst="rect">
             <a:avLst/>
@@ -3602,7 +3366,7 @@
               </a:tabLst>
             </a:pPr>
             <a:r>
-              <a:rPr b="1" lang="en-AU" sz="1070" spc="-1" strike="noStrike">
+              <a:rPr b="0" lang="en-AU" sz="1070" spc="-1" strike="noStrike">
                 <a:solidFill>
                   <a:srgbClr val="000000"/>
                 </a:solidFill>
@@ -3619,14 +3383,14 @@
       </p:sp>
       <p:sp>
         <p:nvSpPr>
-          <p:cNvPr id="64" name="Google Shape;39;p1"/>
+          <p:cNvPr id="62" name="Google Shape;39;p1"/>
           <p:cNvSpPr/>
           <p:nvPr/>
         </p:nvSpPr>
         <p:spPr>
           <a:xfrm>
             <a:off x="6633360" y="6524280"/>
-            <a:ext cx="431280" cy="204480"/>
+            <a:ext cx="430920" cy="204120"/>
           </a:xfrm>
           <a:prstGeom prst="chevron">
             <a:avLst>
@@ -3680,14 +3444,14 @@
       </p:sp>
       <p:sp>
         <p:nvSpPr>
-          <p:cNvPr id="65" name="Google Shape;40;p1"/>
+          <p:cNvPr id="63" name="Google Shape;40;p1"/>
           <p:cNvSpPr/>
           <p:nvPr/>
         </p:nvSpPr>
         <p:spPr>
           <a:xfrm>
             <a:off x="7028640" y="6513840"/>
-            <a:ext cx="431280" cy="215280"/>
+            <a:ext cx="430920" cy="214920"/>
           </a:xfrm>
           <a:prstGeom prst="chevron">
             <a:avLst>
@@ -3738,14 +3502,14 @@
       </p:sp>
       <p:sp>
         <p:nvSpPr>
-          <p:cNvPr id="66" name="Google Shape;41;p1"/>
+          <p:cNvPr id="64" name="Google Shape;41;p1"/>
           <p:cNvSpPr/>
           <p:nvPr/>
         </p:nvSpPr>
         <p:spPr>
           <a:xfrm>
             <a:off x="7452360" y="6503040"/>
-            <a:ext cx="431280" cy="215280"/>
+            <a:ext cx="430920" cy="214920"/>
           </a:xfrm>
           <a:prstGeom prst="chevron">
             <a:avLst>
@@ -3796,14 +3560,14 @@
       </p:sp>
       <p:sp>
         <p:nvSpPr>
-          <p:cNvPr id="67" name="Google Shape;42;p1"/>
+          <p:cNvPr id="65" name="Google Shape;42;p1"/>
           <p:cNvSpPr/>
           <p:nvPr/>
         </p:nvSpPr>
         <p:spPr>
           <a:xfrm>
             <a:off x="7846560" y="6508080"/>
-            <a:ext cx="431280" cy="215280"/>
+            <a:ext cx="430920" cy="214920"/>
           </a:xfrm>
           <a:prstGeom prst="chevron">
             <a:avLst>
@@ -3854,14 +3618,14 @@
       </p:sp>
       <p:sp>
         <p:nvSpPr>
-          <p:cNvPr id="68" name="Google Shape;43;p1"/>
+          <p:cNvPr id="66" name="Google Shape;43;p1"/>
           <p:cNvSpPr/>
           <p:nvPr/>
         </p:nvSpPr>
         <p:spPr>
           <a:xfrm>
             <a:off x="8245800" y="6503040"/>
-            <a:ext cx="431280" cy="215280"/>
+            <a:ext cx="430920" cy="214920"/>
           </a:xfrm>
           <a:prstGeom prst="chevron">
             <a:avLst>
@@ -3912,14 +3676,14 @@
       </p:sp>
       <p:sp>
         <p:nvSpPr>
-          <p:cNvPr id="69" name="Google Shape;44;p1"/>
+          <p:cNvPr id="67" name="Google Shape;44;p1"/>
           <p:cNvSpPr/>
           <p:nvPr/>
         </p:nvSpPr>
         <p:spPr>
           <a:xfrm>
             <a:off x="8099280" y="707040"/>
-            <a:ext cx="431280" cy="204480"/>
+            <a:ext cx="430920" cy="204120"/>
           </a:xfrm>
           <a:prstGeom prst="chevron">
             <a:avLst>
@@ -3973,14 +3737,14 @@
       </p:sp>
       <p:sp>
         <p:nvSpPr>
-          <p:cNvPr id="70" name="Google Shape;45;p1"/>
+          <p:cNvPr id="68" name="Google Shape;45;p1"/>
           <p:cNvSpPr/>
           <p:nvPr/>
         </p:nvSpPr>
         <p:spPr>
           <a:xfrm>
             <a:off x="121680" y="116640"/>
-            <a:ext cx="7724160" cy="1136520"/>
+            <a:ext cx="7723800" cy="1136160"/>
           </a:xfrm>
           <a:prstGeom prst="wedgeRectCallout">
             <a:avLst>
@@ -4004,14 +3768,14 @@
       </p:sp>
       <p:sp>
         <p:nvSpPr>
-          <p:cNvPr id="71" name="Google Shape;46;p1"/>
+          <p:cNvPr id="69" name="Google Shape;46;p1"/>
           <p:cNvSpPr/>
           <p:nvPr/>
         </p:nvSpPr>
         <p:spPr>
           <a:xfrm>
             <a:off x="184320" y="189720"/>
-            <a:ext cx="8793000" cy="307080"/>
+            <a:ext cx="8792640" cy="306720"/>
           </a:xfrm>
           <a:prstGeom prst="rect">
             <a:avLst/>
@@ -4058,14 +3822,14 @@
       </p:sp>
       <p:sp>
         <p:nvSpPr>
-          <p:cNvPr id="72" name="Google Shape;47;p1"/>
+          <p:cNvPr id="70" name="Google Shape;47;p1"/>
           <p:cNvSpPr/>
           <p:nvPr/>
         </p:nvSpPr>
         <p:spPr>
           <a:xfrm>
             <a:off x="4607280" y="3547440"/>
-            <a:ext cx="4323600" cy="1080360"/>
+            <a:ext cx="4323240" cy="1080000"/>
           </a:xfrm>
           <a:prstGeom prst="rect">
             <a:avLst/>
@@ -4135,14 +3899,14 @@
       </p:sp>
       <p:sp>
         <p:nvSpPr>
-          <p:cNvPr id="73" name="Google Shape;48;p1"/>
+          <p:cNvPr id="71" name="Google Shape;48;p1"/>
           <p:cNvSpPr/>
           <p:nvPr/>
         </p:nvSpPr>
         <p:spPr>
           <a:xfrm>
             <a:off x="184320" y="541080"/>
-            <a:ext cx="8583840" cy="491760"/>
+            <a:ext cx="8583480" cy="491400"/>
           </a:xfrm>
           <a:prstGeom prst="rect">
             <a:avLst/>
